--- a/PPT/G12_基于ERC20的饮料售卖合约.pptx
+++ b/PPT/G12_基于ERC20的饮料售卖合约.pptx
@@ -17,6 +17,8 @@
     <p:sldId id="266" r:id="rId11"/>
     <p:sldId id="264" r:id="rId12"/>
     <p:sldId id="265" r:id="rId13"/>
+    <p:sldId id="268" r:id="rId14"/>
+    <p:sldId id="269" r:id="rId15"/>
   </p:sldIdLst>
   <p:sldSz cx="12192000" cy="6858000"/>
   <p:notesSz cx="6858000" cy="9144000"/>
@@ -270,7 +272,7 @@
           <a:p>
             <a:fld id="{7FDECA1D-3092-4457-BA52-892B9F5D17A2}" type="datetimeFigureOut">
               <a:rPr lang="zh-CN" altLang="en-US" smtClean="0"/>
-              <a:t>2022/6/3</a:t>
+              <a:t>2022/6/5</a:t>
             </a:fld>
             <a:endParaRPr lang="zh-CN" altLang="en-US"/>
           </a:p>
@@ -468,7 +470,7 @@
           <a:p>
             <a:fld id="{7FDECA1D-3092-4457-BA52-892B9F5D17A2}" type="datetimeFigureOut">
               <a:rPr lang="zh-CN" altLang="en-US" smtClean="0"/>
-              <a:t>2022/6/3</a:t>
+              <a:t>2022/6/5</a:t>
             </a:fld>
             <a:endParaRPr lang="zh-CN" altLang="en-US"/>
           </a:p>
@@ -676,7 +678,7 @@
           <a:p>
             <a:fld id="{7FDECA1D-3092-4457-BA52-892B9F5D17A2}" type="datetimeFigureOut">
               <a:rPr lang="zh-CN" altLang="en-US" smtClean="0"/>
-              <a:t>2022/6/3</a:t>
+              <a:t>2022/6/5</a:t>
             </a:fld>
             <a:endParaRPr lang="zh-CN" altLang="en-US"/>
           </a:p>
@@ -874,7 +876,7 @@
           <a:p>
             <a:fld id="{7FDECA1D-3092-4457-BA52-892B9F5D17A2}" type="datetimeFigureOut">
               <a:rPr lang="zh-CN" altLang="en-US" smtClean="0"/>
-              <a:t>2022/6/3</a:t>
+              <a:t>2022/6/5</a:t>
             </a:fld>
             <a:endParaRPr lang="zh-CN" altLang="en-US"/>
           </a:p>
@@ -1149,7 +1151,7 @@
           <a:p>
             <a:fld id="{7FDECA1D-3092-4457-BA52-892B9F5D17A2}" type="datetimeFigureOut">
               <a:rPr lang="zh-CN" altLang="en-US" smtClean="0"/>
-              <a:t>2022/6/3</a:t>
+              <a:t>2022/6/5</a:t>
             </a:fld>
             <a:endParaRPr lang="zh-CN" altLang="en-US"/>
           </a:p>
@@ -1414,7 +1416,7 @@
           <a:p>
             <a:fld id="{7FDECA1D-3092-4457-BA52-892B9F5D17A2}" type="datetimeFigureOut">
               <a:rPr lang="zh-CN" altLang="en-US" smtClean="0"/>
-              <a:t>2022/6/3</a:t>
+              <a:t>2022/6/5</a:t>
             </a:fld>
             <a:endParaRPr lang="zh-CN" altLang="en-US"/>
           </a:p>
@@ -1826,7 +1828,7 @@
           <a:p>
             <a:fld id="{7FDECA1D-3092-4457-BA52-892B9F5D17A2}" type="datetimeFigureOut">
               <a:rPr lang="zh-CN" altLang="en-US" smtClean="0"/>
-              <a:t>2022/6/3</a:t>
+              <a:t>2022/6/5</a:t>
             </a:fld>
             <a:endParaRPr lang="zh-CN" altLang="en-US"/>
           </a:p>
@@ -1967,7 +1969,7 @@
           <a:p>
             <a:fld id="{7FDECA1D-3092-4457-BA52-892B9F5D17A2}" type="datetimeFigureOut">
               <a:rPr lang="zh-CN" altLang="en-US" smtClean="0"/>
-              <a:t>2022/6/3</a:t>
+              <a:t>2022/6/5</a:t>
             </a:fld>
             <a:endParaRPr lang="zh-CN" altLang="en-US"/>
           </a:p>
@@ -2080,7 +2082,7 @@
           <a:p>
             <a:fld id="{7FDECA1D-3092-4457-BA52-892B9F5D17A2}" type="datetimeFigureOut">
               <a:rPr lang="zh-CN" altLang="en-US" smtClean="0"/>
-              <a:t>2022/6/3</a:t>
+              <a:t>2022/6/5</a:t>
             </a:fld>
             <a:endParaRPr lang="zh-CN" altLang="en-US"/>
           </a:p>
@@ -2391,7 +2393,7 @@
           <a:p>
             <a:fld id="{7FDECA1D-3092-4457-BA52-892B9F5D17A2}" type="datetimeFigureOut">
               <a:rPr lang="zh-CN" altLang="en-US" smtClean="0"/>
-              <a:t>2022/6/3</a:t>
+              <a:t>2022/6/5</a:t>
             </a:fld>
             <a:endParaRPr lang="zh-CN" altLang="en-US"/>
           </a:p>
@@ -2679,7 +2681,7 @@
           <a:p>
             <a:fld id="{7FDECA1D-3092-4457-BA52-892B9F5D17A2}" type="datetimeFigureOut">
               <a:rPr lang="zh-CN" altLang="en-US" smtClean="0"/>
-              <a:t>2022/6/3</a:t>
+              <a:t>2022/6/5</a:t>
             </a:fld>
             <a:endParaRPr lang="zh-CN" altLang="en-US"/>
           </a:p>
@@ -2920,7 +2922,7 @@
           <a:p>
             <a:fld id="{7FDECA1D-3092-4457-BA52-892B9F5D17A2}" type="datetimeFigureOut">
               <a:rPr lang="zh-CN" altLang="en-US" smtClean="0"/>
-              <a:t>2022/6/3</a:t>
+              <a:t>2022/6/5</a:t>
             </a:fld>
             <a:endParaRPr lang="zh-CN" altLang="en-US"/>
           </a:p>
@@ -3776,6 +3778,36 @@
           </a:p>
         </p:txBody>
       </p:sp>
+      <p:pic>
+        <p:nvPicPr>
+          <p:cNvPr id="4" name="图片 3">
+            <a:extLst>
+              <a:ext uri="{FF2B5EF4-FFF2-40B4-BE49-F238E27FC236}">
+                <a16:creationId xmlns:a16="http://schemas.microsoft.com/office/drawing/2014/main" id="{F680F24D-2521-0D14-E018-53750D68E528}"/>
+              </a:ext>
+            </a:extLst>
+          </p:cNvPr>
+          <p:cNvPicPr>
+            <a:picLocks noChangeAspect="1"/>
+          </p:cNvPicPr>
+          <p:nvPr/>
+        </p:nvPicPr>
+        <p:blipFill>
+          <a:blip r:embed="rId3"/>
+          <a:stretch>
+            <a:fillRect/>
+          </a:stretch>
+        </p:blipFill>
+        <p:spPr>
+          <a:xfrm>
+            <a:off x="748145" y="1404032"/>
+            <a:ext cx="10446327" cy="4936732"/>
+          </a:xfrm>
+          <a:prstGeom prst="rect">
+            <a:avLst/>
+          </a:prstGeom>
+        </p:spPr>
+      </p:pic>
     </p:spTree>
     <p:extLst>
       <p:ext uri="{BB962C8B-B14F-4D97-AF65-F5344CB8AC3E}">
@@ -3785,6 +3817,126 @@
   </p:cSld>
   <p:clrMapOvr>
     <a:overrideClrMapping bg1="lt1" tx1="dk1" bg2="lt2" tx2="dk2" accent1="accent1" accent2="accent2" accent3="accent3" accent4="accent4" accent5="accent5" accent6="accent6" hlink="hlink" folHlink="folHlink"/>
+  </p:clrMapOvr>
+</p:sld>
+</file>
+
+<file path=ppt/slides/slide13.xml><?xml version="1.0" encoding="utf-8"?>
+<p:sld xmlns:a="http://schemas.openxmlformats.org/drawingml/2006/main" xmlns:r="http://schemas.openxmlformats.org/officeDocument/2006/relationships" xmlns:p="http://schemas.openxmlformats.org/presentationml/2006/main">
+  <p:cSld>
+    <p:spTree>
+      <p:nvGrpSpPr>
+        <p:cNvPr id="1" name=""/>
+        <p:cNvGrpSpPr/>
+        <p:nvPr/>
+      </p:nvGrpSpPr>
+      <p:grpSpPr>
+        <a:xfrm>
+          <a:off x="0" y="0"/>
+          <a:ext cx="0" cy="0"/>
+          <a:chOff x="0" y="0"/>
+          <a:chExt cx="0" cy="0"/>
+        </a:xfrm>
+      </p:grpSpPr>
+      <p:pic>
+        <p:nvPicPr>
+          <p:cNvPr id="3" name="图片 2">
+            <a:extLst>
+              <a:ext uri="{FF2B5EF4-FFF2-40B4-BE49-F238E27FC236}">
+                <a16:creationId xmlns:a16="http://schemas.microsoft.com/office/drawing/2014/main" id="{6D9C623E-E064-B63F-0829-C574C23B2E81}"/>
+              </a:ext>
+            </a:extLst>
+          </p:cNvPr>
+          <p:cNvPicPr>
+            <a:picLocks noChangeAspect="1"/>
+          </p:cNvPicPr>
+          <p:nvPr/>
+        </p:nvPicPr>
+        <p:blipFill>
+          <a:blip r:embed="rId2"/>
+          <a:stretch>
+            <a:fillRect/>
+          </a:stretch>
+        </p:blipFill>
+        <p:spPr>
+          <a:xfrm>
+            <a:off x="101600" y="450960"/>
+            <a:ext cx="11757891" cy="5956079"/>
+          </a:xfrm>
+          <a:prstGeom prst="rect">
+            <a:avLst/>
+          </a:prstGeom>
+        </p:spPr>
+      </p:pic>
+    </p:spTree>
+    <p:extLst>
+      <p:ext uri="{BB962C8B-B14F-4D97-AF65-F5344CB8AC3E}">
+        <p14:creationId xmlns:p14="http://schemas.microsoft.com/office/powerpoint/2010/main" val="880061692"/>
+      </p:ext>
+    </p:extLst>
+  </p:cSld>
+  <p:clrMapOvr>
+    <a:masterClrMapping/>
+  </p:clrMapOvr>
+</p:sld>
+</file>
+
+<file path=ppt/slides/slide14.xml><?xml version="1.0" encoding="utf-8"?>
+<p:sld xmlns:a="http://schemas.openxmlformats.org/drawingml/2006/main" xmlns:r="http://schemas.openxmlformats.org/officeDocument/2006/relationships" xmlns:p="http://schemas.openxmlformats.org/presentationml/2006/main">
+  <p:cSld>
+    <p:spTree>
+      <p:nvGrpSpPr>
+        <p:cNvPr id="1" name=""/>
+        <p:cNvGrpSpPr/>
+        <p:nvPr/>
+      </p:nvGrpSpPr>
+      <p:grpSpPr>
+        <a:xfrm>
+          <a:off x="0" y="0"/>
+          <a:ext cx="0" cy="0"/>
+          <a:chOff x="0" y="0"/>
+          <a:chExt cx="0" cy="0"/>
+        </a:xfrm>
+      </p:grpSpPr>
+      <p:pic>
+        <p:nvPicPr>
+          <p:cNvPr id="3" name="图片 2">
+            <a:extLst>
+              <a:ext uri="{FF2B5EF4-FFF2-40B4-BE49-F238E27FC236}">
+                <a16:creationId xmlns:a16="http://schemas.microsoft.com/office/drawing/2014/main" id="{F81949AF-CD67-8690-A09B-915AC0153A16}"/>
+              </a:ext>
+            </a:extLst>
+          </p:cNvPr>
+          <p:cNvPicPr>
+            <a:picLocks noChangeAspect="1"/>
+          </p:cNvPicPr>
+          <p:nvPr/>
+        </p:nvPicPr>
+        <p:blipFill>
+          <a:blip r:embed="rId2"/>
+          <a:stretch>
+            <a:fillRect/>
+          </a:stretch>
+        </p:blipFill>
+        <p:spPr>
+          <a:xfrm>
+            <a:off x="369455" y="866479"/>
+            <a:ext cx="11277600" cy="5543765"/>
+          </a:xfrm>
+          <a:prstGeom prst="rect">
+            <a:avLst/>
+          </a:prstGeom>
+        </p:spPr>
+      </p:pic>
+    </p:spTree>
+    <p:extLst>
+      <p:ext uri="{BB962C8B-B14F-4D97-AF65-F5344CB8AC3E}">
+        <p14:creationId xmlns:p14="http://schemas.microsoft.com/office/powerpoint/2010/main" val="1970040482"/>
+      </p:ext>
+    </p:extLst>
+  </p:cSld>
+  <p:clrMapOvr>
+    <a:masterClrMapping/>
   </p:clrMapOvr>
 </p:sld>
 </file>
